--- a/Presentation.pptx
+++ b/Presentation.pptx
@@ -206,7 +206,7 @@
           <a:p>
             <a:fld id="{835FF8E2-A09F-44D9-AE9B-2C41606B597E}" type="datetimeFigureOut">
               <a:rPr lang="en-IN" smtClean="0"/>
-              <a:t>28-01-2023</a:t>
+              <a:t>22-07-2023</a:t>
             </a:fld>
             <a:endParaRPr lang="en-IN"/>
           </a:p>
@@ -660,7 +660,7 @@
           <a:p>
             <a:fld id="{5752946E-7841-4BF6-9F97-F379125EE9B8}" type="datetime1">
               <a:rPr lang="en-IN" smtClean="0"/>
-              <a:t>28-01-2023</a:t>
+              <a:t>22-07-2023</a:t>
             </a:fld>
             <a:endParaRPr lang="en-IN"/>
           </a:p>
@@ -935,7 +935,7 @@
           <a:p>
             <a:fld id="{37495330-081F-4005-A53A-D5D683497E13}" type="datetime1">
               <a:rPr lang="en-IN" smtClean="0"/>
-              <a:t>28-01-2023</a:t>
+              <a:t>22-07-2023</a:t>
             </a:fld>
             <a:endParaRPr lang="en-IN"/>
           </a:p>
@@ -1129,7 +1129,7 @@
           <a:p>
             <a:fld id="{B0D3F0C7-38EA-420A-8883-31F9BE5EA195}" type="datetime1">
               <a:rPr lang="en-IN" smtClean="0"/>
-              <a:t>28-01-2023</a:t>
+              <a:t>22-07-2023</a:t>
             </a:fld>
             <a:endParaRPr lang="en-IN"/>
           </a:p>
@@ -1402,7 +1402,7 @@
           <a:p>
             <a:fld id="{A38354F3-2290-44FC-8DBA-3E69C28473FF}" type="datetime1">
               <a:rPr lang="en-IN" smtClean="0"/>
-              <a:t>28-01-2023</a:t>
+              <a:t>22-07-2023</a:t>
             </a:fld>
             <a:endParaRPr lang="en-IN"/>
           </a:p>
@@ -1743,7 +1743,7 @@
           <a:p>
             <a:fld id="{EE5CFD66-EC98-4878-8209-1F7D3758F9CA}" type="datetime1">
               <a:rPr lang="en-IN" smtClean="0"/>
-              <a:t>28-01-2023</a:t>
+              <a:t>22-07-2023</a:t>
             </a:fld>
             <a:endParaRPr lang="en-IN"/>
           </a:p>
@@ -2366,7 +2366,7 @@
           <a:p>
             <a:fld id="{3D991917-11AA-4C64-9C0D-4A52E6DD6D8D}" type="datetime1">
               <a:rPr lang="en-IN" smtClean="0"/>
-              <a:t>28-01-2023</a:t>
+              <a:t>22-07-2023</a:t>
             </a:fld>
             <a:endParaRPr lang="en-IN"/>
           </a:p>
@@ -3226,7 +3226,7 @@
           <a:p>
             <a:fld id="{AB276214-1297-4EBC-A255-59BECBBE3E46}" type="datetime1">
               <a:rPr lang="en-IN" smtClean="0"/>
-              <a:t>28-01-2023</a:t>
+              <a:t>22-07-2023</a:t>
             </a:fld>
             <a:endParaRPr lang="en-IN"/>
           </a:p>
@@ -3396,7 +3396,7 @@
           <a:p>
             <a:fld id="{433E160A-476E-47D8-9A2F-658CD5C3FB5B}" type="datetime1">
               <a:rPr lang="en-IN" smtClean="0"/>
-              <a:t>28-01-2023</a:t>
+              <a:t>22-07-2023</a:t>
             </a:fld>
             <a:endParaRPr lang="en-IN"/>
           </a:p>
@@ -3576,7 +3576,7 @@
           <a:p>
             <a:fld id="{B6A91B41-3EEB-4974-8496-EBD019263422}" type="datetime1">
               <a:rPr lang="en-IN" smtClean="0"/>
-              <a:t>28-01-2023</a:t>
+              <a:t>22-07-2023</a:t>
             </a:fld>
             <a:endParaRPr lang="en-IN"/>
           </a:p>
@@ -3746,7 +3746,7 @@
           <a:p>
             <a:fld id="{343B3307-E097-42D2-87A8-3AD15350F4C3}" type="datetime1">
               <a:rPr lang="en-IN" smtClean="0"/>
-              <a:t>28-01-2023</a:t>
+              <a:t>22-07-2023</a:t>
             </a:fld>
             <a:endParaRPr lang="en-IN"/>
           </a:p>
@@ -3993,7 +3993,7 @@
           <a:p>
             <a:fld id="{377D14DF-F939-4ED6-B417-989787CC733C}" type="datetime1">
               <a:rPr lang="en-IN" smtClean="0"/>
-              <a:t>28-01-2023</a:t>
+              <a:t>22-07-2023</a:t>
             </a:fld>
             <a:endParaRPr lang="en-IN"/>
           </a:p>
@@ -4285,7 +4285,7 @@
           <a:p>
             <a:fld id="{B8BD50EF-CDD8-4B3B-BCC3-6C78F9BDA585}" type="datetime1">
               <a:rPr lang="en-IN" smtClean="0"/>
-              <a:t>28-01-2023</a:t>
+              <a:t>22-07-2023</a:t>
             </a:fld>
             <a:endParaRPr lang="en-IN"/>
           </a:p>
@@ -4729,7 +4729,7 @@
           <a:p>
             <a:fld id="{F08883C2-F229-436E-8CF8-CEF703CFCCAF}" type="datetime1">
               <a:rPr lang="en-IN" smtClean="0"/>
-              <a:t>28-01-2023</a:t>
+              <a:t>22-07-2023</a:t>
             </a:fld>
             <a:endParaRPr lang="en-IN"/>
           </a:p>
@@ -4847,7 +4847,7 @@
           <a:p>
             <a:fld id="{2E518C4E-3A04-41C6-ABED-C483A75E2BC1}" type="datetime1">
               <a:rPr lang="en-IN" smtClean="0"/>
-              <a:t>28-01-2023</a:t>
+              <a:t>22-07-2023</a:t>
             </a:fld>
             <a:endParaRPr lang="en-IN"/>
           </a:p>
@@ -4942,7 +4942,7 @@
           <a:p>
             <a:fld id="{E8FA4B4C-E7D4-44F9-A396-F5350E112F85}" type="datetime1">
               <a:rPr lang="en-IN" smtClean="0"/>
-              <a:t>28-01-2023</a:t>
+              <a:t>22-07-2023</a:t>
             </a:fld>
             <a:endParaRPr lang="en-IN"/>
           </a:p>
@@ -5221,7 +5221,7 @@
           <a:p>
             <a:fld id="{29BE6A14-4F8B-4194-B146-D430C8E136B0}" type="datetime1">
               <a:rPr lang="en-IN" smtClean="0"/>
-              <a:t>28-01-2023</a:t>
+              <a:t>22-07-2023</a:t>
             </a:fld>
             <a:endParaRPr lang="en-IN"/>
           </a:p>
@@ -5496,7 +5496,7 @@
           <a:p>
             <a:fld id="{DEB7DDA7-09BC-49E7-ABB4-9FEC6C7A22D0}" type="datetime1">
               <a:rPr lang="en-IN" smtClean="0"/>
-              <a:t>28-01-2023</a:t>
+              <a:t>22-07-2023</a:t>
             </a:fld>
             <a:endParaRPr lang="en-IN"/>
           </a:p>
@@ -5925,7 +5925,7 @@
           <a:p>
             <a:fld id="{E4254042-D7A8-4507-AE3D-6B141006403E}" type="datetime1">
               <a:rPr lang="en-IN" smtClean="0"/>
-              <a:t>28-01-2023</a:t>
+              <a:t>22-07-2023</a:t>
             </a:fld>
             <a:endParaRPr lang="en-IN"/>
           </a:p>
@@ -7475,7 +7475,15 @@
             <a:pPr algn="just"/>
             <a:r>
               <a:rPr lang="en-US" dirty="0"/>
-              <a:t>After setting up of the code editor and the interpreter and installation of the libraries, the main processes involved in the project are as follows :-</a:t>
+              <a:t>After setting up of the </a:t>
+            </a:r>
+            <a:r>
+              <a:rPr lang="en-US"/>
+              <a:t>code editor, </a:t>
+            </a:r>
+            <a:r>
+              <a:rPr lang="en-US" dirty="0"/>
+              <a:t>the interpreter and installation of the libraries, the main processes involved in the project are as follows :-</a:t>
             </a:r>
           </a:p>
           <a:p>
